--- a/projects/YanFeng/05 Archieve/Proposal for YFVE Digital QA platform.pptx
+++ b/projects/YanFeng/05 Archieve/Proposal for YFVE Digital QA platform.pptx
@@ -173,6 +173,7 @@
           </a:p>
         </c:rich>
       </c:tx>
+      <c:layout/>
       <c:overlay val="0"/>
       <c:spPr>
         <a:noFill/>
@@ -263,6 +264,7 @@
             <c:showLeaderLines val="0"/>
             <c:extLst>
               <c:ext xmlns:c15="http://schemas.microsoft.com/office/drawing/2012/chart" uri="{CE6537A1-D6FC-4f65-9D91-7224C49458BB}">
+                <c15:layout/>
                 <c15:showLeaderLines val="1"/>
                 <c15:leaderLines>
                   <c:spPr>
@@ -435,6 +437,7 @@
               </a:p>
             </c:rich>
           </c:tx>
+          <c:layout/>
           <c:overlay val="0"/>
           <c:spPr>
             <a:noFill/>
@@ -555,6 +558,7 @@
               </a:p>
             </c:rich>
           </c:tx>
+          <c:layout/>
           <c:overlay val="0"/>
           <c:spPr>
             <a:noFill/>
@@ -4174,7 +4178,7 @@
           <a:p>
             <a:fld id="{6868D0B8-F2CC-4C5A-9080-2D86E764D550}" type="datetimeFigureOut">
               <a:rPr lang="zh-CN" altLang="en-US" smtClean="0"/>
-              <a:t>2018/1/24</a:t>
+              <a:t>2018/6/19</a:t>
             </a:fld>
             <a:endParaRPr lang="zh-CN" altLang="en-US"/>
           </a:p>
@@ -4402,7 +4406,7 @@
           <a:p>
             <a:fld id="{6868D0B8-F2CC-4C5A-9080-2D86E764D550}" type="datetimeFigureOut">
               <a:rPr lang="zh-CN" altLang="en-US" smtClean="0"/>
-              <a:t>2018/1/24</a:t>
+              <a:t>2018/6/19</a:t>
             </a:fld>
             <a:endParaRPr lang="zh-CN" altLang="en-US"/>
           </a:p>
@@ -4688,7 +4692,7 @@
           <a:p>
             <a:fld id="{6868D0B8-F2CC-4C5A-9080-2D86E764D550}" type="datetimeFigureOut">
               <a:rPr lang="zh-CN" altLang="en-US" smtClean="0"/>
-              <a:t>2018/1/24</a:t>
+              <a:t>2018/6/19</a:t>
             </a:fld>
             <a:endParaRPr lang="zh-CN" altLang="en-US"/>
           </a:p>
@@ -4916,7 +4920,7 @@
           <a:p>
             <a:fld id="{6868D0B8-F2CC-4C5A-9080-2D86E764D550}" type="datetimeFigureOut">
               <a:rPr lang="zh-CN" altLang="en-US" smtClean="0"/>
-              <a:t>2018/1/24</a:t>
+              <a:t>2018/6/19</a:t>
             </a:fld>
             <a:endParaRPr lang="zh-CN" altLang="en-US"/>
           </a:p>
@@ -5289,7 +5293,7 @@
           <a:p>
             <a:fld id="{6868D0B8-F2CC-4C5A-9080-2D86E764D550}" type="datetimeFigureOut">
               <a:rPr lang="zh-CN" altLang="en-US" smtClean="0"/>
-              <a:t>2018/1/24</a:t>
+              <a:t>2018/6/19</a:t>
             </a:fld>
             <a:endParaRPr lang="zh-CN" altLang="en-US"/>
           </a:p>
@@ -5612,7 +5616,7 @@
           <a:p>
             <a:fld id="{6868D0B8-F2CC-4C5A-9080-2D86E764D550}" type="datetimeFigureOut">
               <a:rPr lang="zh-CN" altLang="en-US" smtClean="0"/>
-              <a:t>2018/1/24</a:t>
+              <a:t>2018/6/19</a:t>
             </a:fld>
             <a:endParaRPr lang="zh-CN" altLang="en-US"/>
           </a:p>
@@ -6069,7 +6073,7 @@
           <a:p>
             <a:fld id="{6868D0B8-F2CC-4C5A-9080-2D86E764D550}" type="datetimeFigureOut">
               <a:rPr lang="zh-CN" altLang="en-US" smtClean="0"/>
-              <a:t>2018/1/24</a:t>
+              <a:t>2018/6/19</a:t>
             </a:fld>
             <a:endParaRPr lang="zh-CN" altLang="en-US"/>
           </a:p>
@@ -6270,7 +6274,7 @@
           <a:p>
             <a:fld id="{6868D0B8-F2CC-4C5A-9080-2D86E764D550}" type="datetimeFigureOut">
               <a:rPr lang="zh-CN" altLang="en-US" smtClean="0"/>
-              <a:t>2018/1/24</a:t>
+              <a:t>2018/6/19</a:t>
             </a:fld>
             <a:endParaRPr lang="zh-CN" altLang="en-US"/>
           </a:p>
@@ -6471,7 +6475,7 @@
           <a:p>
             <a:fld id="{6868D0B8-F2CC-4C5A-9080-2D86E764D550}" type="datetimeFigureOut">
               <a:rPr lang="zh-CN" altLang="en-US" smtClean="0"/>
-              <a:t>2018/1/24</a:t>
+              <a:t>2018/6/19</a:t>
             </a:fld>
             <a:endParaRPr lang="zh-CN" altLang="en-US"/>
           </a:p>
@@ -6825,7 +6829,7 @@
           <a:p>
             <a:fld id="{6868D0B8-F2CC-4C5A-9080-2D86E764D550}" type="datetimeFigureOut">
               <a:rPr lang="zh-CN" altLang="en-US" smtClean="0"/>
-              <a:t>2018/1/24</a:t>
+              <a:t>2018/6/19</a:t>
             </a:fld>
             <a:endParaRPr lang="zh-CN" altLang="en-US"/>
           </a:p>
@@ -7202,7 +7206,7 @@
           <a:p>
             <a:fld id="{6868D0B8-F2CC-4C5A-9080-2D86E764D550}" type="datetimeFigureOut">
               <a:rPr lang="zh-CN" altLang="en-US" smtClean="0"/>
-              <a:t>2018/1/24</a:t>
+              <a:t>2018/6/19</a:t>
             </a:fld>
             <a:endParaRPr lang="zh-CN" altLang="en-US"/>
           </a:p>
@@ -7489,7 +7493,7 @@
           <a:p>
             <a:fld id="{6868D0B8-F2CC-4C5A-9080-2D86E764D550}" type="datetimeFigureOut">
               <a:rPr lang="zh-CN" altLang="en-US" smtClean="0"/>
-              <a:t>2018/1/24</a:t>
+              <a:t>2018/6/19</a:t>
             </a:fld>
             <a:endParaRPr lang="zh-CN" altLang="en-US"/>
           </a:p>
@@ -11063,8 +11067,8 @@
         </p:nvGrpSpPr>
         <p:grpSpPr>
           <a:xfrm>
-            <a:off x="1909257" y="1338738"/>
-            <a:ext cx="7952195" cy="5025202"/>
+            <a:off x="576775" y="1338738"/>
+            <a:ext cx="10719582" cy="5025202"/>
             <a:chOff x="523985" y="1479414"/>
             <a:chExt cx="7952195" cy="5025202"/>
           </a:xfrm>
@@ -13246,8 +13250,15 @@
                   <a:ea typeface="Arial Unicode MS" pitchFamily="34" charset="-128"/>
                   <a:cs typeface="Arial Unicode MS" pitchFamily="34" charset="-128"/>
                 </a:rPr>
-                <a:t>2016</a:t>
+                <a:t>2018</a:t>
               </a:r>
+              <a:endParaRPr lang="en-US" sz="1800" b="1" i="1" u="sng" kern="0" dirty="0" smtClean="0">
+                <a:solidFill>
+                  <a:srgbClr val="F0AB00"/>
+                </a:solidFill>
+                <a:ea typeface="Arial Unicode MS" pitchFamily="34" charset="-128"/>
+                <a:cs typeface="Arial Unicode MS" pitchFamily="34" charset="-128"/>
+              </a:endParaRPr>
             </a:p>
           </p:txBody>
         </p:sp>
@@ -13293,8 +13304,15 @@
                   <a:ea typeface="Arial Unicode MS" pitchFamily="34" charset="-128"/>
                   <a:cs typeface="Arial Unicode MS" pitchFamily="34" charset="-128"/>
                 </a:rPr>
-                <a:t>2017</a:t>
+                <a:t>2019</a:t>
               </a:r>
+              <a:endParaRPr lang="en-US" sz="1800" b="1" i="1" u="sng" kern="0" dirty="0" smtClean="0">
+                <a:solidFill>
+                  <a:srgbClr val="F0AB00"/>
+                </a:solidFill>
+                <a:ea typeface="Arial Unicode MS" pitchFamily="34" charset="-128"/>
+                <a:cs typeface="Arial Unicode MS" pitchFamily="34" charset="-128"/>
+              </a:endParaRPr>
             </a:p>
           </p:txBody>
         </p:sp>
@@ -13343,7 +13361,7 @@
           </p:nvSpPr>
           <p:spPr bwMode="gray">
             <a:xfrm>
-              <a:off x="2297398" y="2173000"/>
+              <a:off x="3183664" y="2173000"/>
               <a:ext cx="745120" cy="247654"/>
             </a:xfrm>
             <a:prstGeom prst="homePlate">
@@ -13770,7 +13788,7 @@
           </p:nvSpPr>
           <p:spPr bwMode="gray">
             <a:xfrm>
-              <a:off x="2431152" y="2607793"/>
+              <a:off x="3176741" y="2607793"/>
               <a:ext cx="1031559" cy="247654"/>
             </a:xfrm>
             <a:prstGeom prst="homePlate">
@@ -13835,8 +13853,8 @@
           </p:nvSpPr>
           <p:spPr bwMode="gray">
             <a:xfrm>
-              <a:off x="2829766" y="3332885"/>
-              <a:ext cx="2428077" cy="247654"/>
+              <a:off x="3590461" y="3332885"/>
+              <a:ext cx="1667381" cy="247654"/>
             </a:xfrm>
             <a:prstGeom prst="homePlate">
               <a:avLst/>
@@ -14088,158 +14106,6 @@
           </p:txBody>
         </p:sp>
       </p:grpSp>
-      <p:sp>
-        <p:nvSpPr>
-          <p:cNvPr id="76" name="矩形 75"/>
-          <p:cNvSpPr/>
-          <p:nvPr/>
-        </p:nvSpPr>
-        <p:spPr>
-          <a:xfrm rot="19830708">
-            <a:off x="5930574" y="2921430"/>
-            <a:ext cx="3457105" cy="989773"/>
-          </a:xfrm>
-          <a:prstGeom prst="rect">
-            <a:avLst/>
-          </a:prstGeom>
-          <a:solidFill>
-            <a:schemeClr val="bg1"/>
-          </a:solidFill>
-          <a:ln>
-            <a:solidFill>
-              <a:srgbClr val="FF0000"/>
-            </a:solidFill>
-            <a:prstDash val="dash"/>
-          </a:ln>
-        </p:spPr>
-        <p:style>
-          <a:lnRef idx="2">
-            <a:schemeClr val="accent1">
-              <a:shade val="50000"/>
-            </a:schemeClr>
-          </a:lnRef>
-          <a:fillRef idx="1">
-            <a:schemeClr val="accent1"/>
-          </a:fillRef>
-          <a:effectRef idx="0">
-            <a:schemeClr val="accent1"/>
-          </a:effectRef>
-          <a:fontRef idx="minor">
-            <a:schemeClr val="lt1"/>
-          </a:fontRef>
-        </p:style>
-        <p:txBody>
-          <a:bodyPr anchor="ctr"/>
-          <a:lstStyle>
-            <a:lvl1pPr marL="0" indent="0">
-              <a:defRPr sz="1100">
-                <a:solidFill>
-                  <a:schemeClr val="lt1"/>
-                </a:solidFill>
-                <a:latin typeface="+mn-lt"/>
-                <a:ea typeface="+mn-ea"/>
-                <a:cs typeface="+mn-cs"/>
-              </a:defRPr>
-            </a:lvl1pPr>
-            <a:lvl2pPr marL="457200" indent="0">
-              <a:defRPr sz="1100">
-                <a:solidFill>
-                  <a:schemeClr val="lt1"/>
-                </a:solidFill>
-                <a:latin typeface="+mn-lt"/>
-                <a:ea typeface="+mn-ea"/>
-                <a:cs typeface="+mn-cs"/>
-              </a:defRPr>
-            </a:lvl2pPr>
-            <a:lvl3pPr marL="914400" indent="0">
-              <a:defRPr sz="1100">
-                <a:solidFill>
-                  <a:schemeClr val="lt1"/>
-                </a:solidFill>
-                <a:latin typeface="+mn-lt"/>
-                <a:ea typeface="+mn-ea"/>
-                <a:cs typeface="+mn-cs"/>
-              </a:defRPr>
-            </a:lvl3pPr>
-            <a:lvl4pPr marL="1371600" indent="0">
-              <a:defRPr sz="1100">
-                <a:solidFill>
-                  <a:schemeClr val="lt1"/>
-                </a:solidFill>
-                <a:latin typeface="+mn-lt"/>
-                <a:ea typeface="+mn-ea"/>
-                <a:cs typeface="+mn-cs"/>
-              </a:defRPr>
-            </a:lvl4pPr>
-            <a:lvl5pPr marL="1828800" indent="0">
-              <a:defRPr sz="1100">
-                <a:solidFill>
-                  <a:schemeClr val="lt1"/>
-                </a:solidFill>
-                <a:latin typeface="+mn-lt"/>
-                <a:ea typeface="+mn-ea"/>
-                <a:cs typeface="+mn-cs"/>
-              </a:defRPr>
-            </a:lvl5pPr>
-            <a:lvl6pPr marL="2286000" indent="0">
-              <a:defRPr sz="1100">
-                <a:solidFill>
-                  <a:schemeClr val="lt1"/>
-                </a:solidFill>
-                <a:latin typeface="+mn-lt"/>
-                <a:ea typeface="+mn-ea"/>
-                <a:cs typeface="+mn-cs"/>
-              </a:defRPr>
-            </a:lvl6pPr>
-            <a:lvl7pPr marL="2743200" indent="0">
-              <a:defRPr sz="1100">
-                <a:solidFill>
-                  <a:schemeClr val="lt1"/>
-                </a:solidFill>
-                <a:latin typeface="+mn-lt"/>
-                <a:ea typeface="+mn-ea"/>
-                <a:cs typeface="+mn-cs"/>
-              </a:defRPr>
-            </a:lvl7pPr>
-            <a:lvl8pPr marL="3200400" indent="0">
-              <a:defRPr sz="1100">
-                <a:solidFill>
-                  <a:schemeClr val="lt1"/>
-                </a:solidFill>
-                <a:latin typeface="+mn-lt"/>
-                <a:ea typeface="+mn-ea"/>
-                <a:cs typeface="+mn-cs"/>
-              </a:defRPr>
-            </a:lvl8pPr>
-            <a:lvl9pPr marL="3657600" indent="0">
-              <a:defRPr sz="1100">
-                <a:solidFill>
-                  <a:schemeClr val="lt1"/>
-                </a:solidFill>
-                <a:latin typeface="+mn-lt"/>
-                <a:ea typeface="+mn-ea"/>
-                <a:cs typeface="+mn-cs"/>
-              </a:defRPr>
-            </a:lvl9pPr>
-          </a:lstStyle>
-          <a:p>
-            <a:pPr algn="ctr"/>
-            <a:r>
-              <a:rPr lang="en-US" altLang="zh-CN" sz="4400" b="1" dirty="0" smtClean="0">
-                <a:solidFill>
-                  <a:srgbClr val="FF0000"/>
-                </a:solidFill>
-              </a:rPr>
-              <a:t>Sample</a:t>
-            </a:r>
-            <a:endParaRPr lang="zh-CN" sz="4400" b="1" dirty="0">
-              <a:solidFill>
-                <a:srgbClr val="FF0000"/>
-              </a:solidFill>
-            </a:endParaRPr>
-          </a:p>
-        </p:txBody>
-      </p:sp>
     </p:spTree>
     <p:extLst>
       <p:ext uri="{BB962C8B-B14F-4D97-AF65-F5344CB8AC3E}">
